--- a/Семестр 5/АК/lab1/Атака «ручкой» или как KNOB-атака способна взломать Bluetooth и украсть ваши данные..pptx
+++ b/Семестр 5/АК/lab1/Атака «ручкой» или как KNOB-атака способна взломать Bluetooth и украсть ваши данные..pptx
@@ -5,41 +5,40 @@
     <p:sldMasterId id="2147483659" r:id="rId1"/>
   </p:sldMasterIdLst>
   <p:notesMasterIdLst>
-    <p:notesMasterId r:id="rId20"/>
+    <p:notesMasterId r:id="rId19"/>
   </p:notesMasterIdLst>
   <p:sldIdLst>
     <p:sldId id="256" r:id="rId2"/>
     <p:sldId id="257" r:id="rId3"/>
     <p:sldId id="258" r:id="rId4"/>
-    <p:sldId id="259" r:id="rId5"/>
-    <p:sldId id="260" r:id="rId6"/>
-    <p:sldId id="261" r:id="rId7"/>
-    <p:sldId id="262" r:id="rId8"/>
-    <p:sldId id="263" r:id="rId9"/>
-    <p:sldId id="264" r:id="rId10"/>
-    <p:sldId id="265" r:id="rId11"/>
-    <p:sldId id="266" r:id="rId12"/>
-    <p:sldId id="267" r:id="rId13"/>
-    <p:sldId id="268" r:id="rId14"/>
-    <p:sldId id="269" r:id="rId15"/>
-    <p:sldId id="270" r:id="rId16"/>
-    <p:sldId id="271" r:id="rId17"/>
-    <p:sldId id="272" r:id="rId18"/>
-    <p:sldId id="273" r:id="rId19"/>
+    <p:sldId id="260" r:id="rId5"/>
+    <p:sldId id="261" r:id="rId6"/>
+    <p:sldId id="262" r:id="rId7"/>
+    <p:sldId id="263" r:id="rId8"/>
+    <p:sldId id="264" r:id="rId9"/>
+    <p:sldId id="265" r:id="rId10"/>
+    <p:sldId id="266" r:id="rId11"/>
+    <p:sldId id="267" r:id="rId12"/>
+    <p:sldId id="268" r:id="rId13"/>
+    <p:sldId id="269" r:id="rId14"/>
+    <p:sldId id="270" r:id="rId15"/>
+    <p:sldId id="271" r:id="rId16"/>
+    <p:sldId id="272" r:id="rId17"/>
+    <p:sldId id="273" r:id="rId18"/>
   </p:sldIdLst>
   <p:sldSz cx="9144000" cy="5143500" type="screen16x9"/>
   <p:notesSz cx="6858000" cy="9144000"/>
   <p:embeddedFontLst>
     <p:embeddedFont>
       <p:font typeface="Roboto Mono" panose="00000009000000000000" pitchFamily="49" charset="0"/>
-      <p:regular r:id="rId21"/>
-      <p:bold r:id="rId22"/>
-      <p:italic r:id="rId23"/>
-      <p:boldItalic r:id="rId24"/>
+      <p:regular r:id="rId20"/>
+      <p:bold r:id="rId21"/>
+      <p:italic r:id="rId22"/>
+      <p:boldItalic r:id="rId23"/>
     </p:embeddedFont>
     <p:embeddedFont>
       <p:font typeface="Source Sans Pro" panose="020B0503030403020204" pitchFamily="34" charset="0"/>
-      <p:regular r:id="rId25"/>
+      <p:regular r:id="rId24"/>
     </p:embeddedFont>
   </p:embeddedFontLst>
   <p:defaultTextStyle>
@@ -840,110 +839,6 @@
   <p:cSld>
     <p:spTree>
       <p:nvGrpSpPr>
-        <p:cNvPr id="1" name="Shape 181"/>
-        <p:cNvGrpSpPr/>
-        <p:nvPr/>
-      </p:nvGrpSpPr>
-      <p:grpSpPr>
-        <a:xfrm>
-          <a:off x="0" y="0"/>
-          <a:ext cx="0" cy="0"/>
-          <a:chOff x="0" y="0"/>
-          <a:chExt cx="0" cy="0"/>
-        </a:xfrm>
-      </p:grpSpPr>
-      <p:sp>
-        <p:nvSpPr>
-          <p:cNvPr id="182" name="Google Shape;182;g282ea628e49_1_49:notes"/>
-          <p:cNvSpPr>
-            <a:spLocks noGrp="1" noRot="1" noChangeAspect="1"/>
-          </p:cNvSpPr>
-          <p:nvPr>
-            <p:ph type="sldImg" idx="2"/>
-          </p:nvPr>
-        </p:nvSpPr>
-        <p:spPr>
-          <a:xfrm>
-            <a:off x="381000" y="685800"/>
-            <a:ext cx="6096000" cy="3429000"/>
-          </a:xfrm>
-          <a:custGeom>
-            <a:avLst/>
-            <a:gdLst/>
-            <a:ahLst/>
-            <a:cxnLst/>
-            <a:rect l="l" t="t" r="r" b="b"/>
-            <a:pathLst>
-              <a:path w="120000" h="120000" extrusionOk="0">
-                <a:moveTo>
-                  <a:pt x="0" y="0"/>
-                </a:moveTo>
-                <a:lnTo>
-                  <a:pt x="120000" y="0"/>
-                </a:lnTo>
-                <a:lnTo>
-                  <a:pt x="120000" y="120000"/>
-                </a:lnTo>
-                <a:lnTo>
-                  <a:pt x="0" y="120000"/>
-                </a:lnTo>
-                <a:close/>
-              </a:path>
-            </a:pathLst>
-          </a:custGeom>
-        </p:spPr>
-      </p:sp>
-      <p:sp>
-        <p:nvSpPr>
-          <p:cNvPr id="183" name="Google Shape;183;g282ea628e49_1_49:notes"/>
-          <p:cNvSpPr txBox="1">
-            <a:spLocks noGrp="1"/>
-          </p:cNvSpPr>
-          <p:nvPr>
-            <p:ph type="body" idx="1"/>
-          </p:nvPr>
-        </p:nvSpPr>
-        <p:spPr>
-          <a:xfrm>
-            <a:off x="685800" y="4343400"/>
-            <a:ext cx="5486400" cy="4114800"/>
-          </a:xfrm>
-          <a:prstGeom prst="rect">
-            <a:avLst/>
-          </a:prstGeom>
-        </p:spPr>
-        <p:txBody>
-          <a:bodyPr spcFirstLastPara="1" wrap="square" lIns="91425" tIns="91425" rIns="91425" bIns="91425" anchor="t" anchorCtr="0">
-            <a:noAutofit/>
-          </a:bodyPr>
-          <a:lstStyle/>
-          <a:p>
-            <a:pPr marL="0" lvl="0" indent="0" algn="l" rtl="0">
-              <a:spcBef>
-                <a:spcPts val="0"/>
-              </a:spcBef>
-              <a:spcAft>
-                <a:spcPts val="0"/>
-              </a:spcAft>
-              <a:buNone/>
-            </a:pPr>
-            <a:endParaRPr/>
-          </a:p>
-        </p:txBody>
-      </p:sp>
-    </p:spTree>
-  </p:cSld>
-  <p:clrMapOvr>
-    <a:masterClrMapping/>
-  </p:clrMapOvr>
-</p:notes>
-</file>
-
-<file path=ppt/notesSlides/notesSlide11.xml><?xml version="1.0" encoding="utf-8"?>
-<p:notes xmlns:a="http://schemas.openxmlformats.org/drawingml/2006/main" xmlns:r="http://schemas.openxmlformats.org/officeDocument/2006/relationships" xmlns:p="http://schemas.openxmlformats.org/presentationml/2006/main" showMasterSp="0" showMasterPhAnim="0">
-  <p:cSld>
-    <p:spTree>
-      <p:nvGrpSpPr>
         <p:cNvPr id="1" name="Shape 187"/>
         <p:cNvGrpSpPr/>
         <p:nvPr/>
@@ -1043,7 +938,7 @@
 </p:notes>
 </file>
 
-<file path=ppt/notesSlides/notesSlide12.xml><?xml version="1.0" encoding="utf-8"?>
+<file path=ppt/notesSlides/notesSlide11.xml><?xml version="1.0" encoding="utf-8"?>
 <p:notes xmlns:a="http://schemas.openxmlformats.org/drawingml/2006/main" xmlns:r="http://schemas.openxmlformats.org/officeDocument/2006/relationships" xmlns:p="http://schemas.openxmlformats.org/presentationml/2006/main" showMasterSp="0" showMasterPhAnim="0">
   <p:cSld>
     <p:spTree>
@@ -1147,7 +1042,7 @@
 </p:notes>
 </file>
 
-<file path=ppt/notesSlides/notesSlide13.xml><?xml version="1.0" encoding="utf-8"?>
+<file path=ppt/notesSlides/notesSlide12.xml><?xml version="1.0" encoding="utf-8"?>
 <p:notes xmlns:a="http://schemas.openxmlformats.org/drawingml/2006/main" xmlns:r="http://schemas.openxmlformats.org/officeDocument/2006/relationships" xmlns:p="http://schemas.openxmlformats.org/presentationml/2006/main" showMasterSp="0" showMasterPhAnim="0">
   <p:cSld>
     <p:spTree>
@@ -1251,7 +1146,7 @@
 </p:notes>
 </file>
 
-<file path=ppt/notesSlides/notesSlide14.xml><?xml version="1.0" encoding="utf-8"?>
+<file path=ppt/notesSlides/notesSlide13.xml><?xml version="1.0" encoding="utf-8"?>
 <p:notes xmlns:a="http://schemas.openxmlformats.org/drawingml/2006/main" xmlns:r="http://schemas.openxmlformats.org/officeDocument/2006/relationships" xmlns:p="http://schemas.openxmlformats.org/presentationml/2006/main" showMasterSp="0" showMasterPhAnim="0">
   <p:cSld>
     <p:spTree>
@@ -1355,7 +1250,7 @@
 </p:notes>
 </file>
 
-<file path=ppt/notesSlides/notesSlide15.xml><?xml version="1.0" encoding="utf-8"?>
+<file path=ppt/notesSlides/notesSlide14.xml><?xml version="1.0" encoding="utf-8"?>
 <p:notes xmlns:a="http://schemas.openxmlformats.org/drawingml/2006/main" xmlns:r="http://schemas.openxmlformats.org/officeDocument/2006/relationships" xmlns:p="http://schemas.openxmlformats.org/presentationml/2006/main" showMasterSp="0" showMasterPhAnim="0">
   <p:cSld>
     <p:spTree>
@@ -1459,7 +1354,7 @@
 </p:notes>
 </file>
 
-<file path=ppt/notesSlides/notesSlide16.xml><?xml version="1.0" encoding="utf-8"?>
+<file path=ppt/notesSlides/notesSlide15.xml><?xml version="1.0" encoding="utf-8"?>
 <p:notes xmlns:a="http://schemas.openxmlformats.org/drawingml/2006/main" xmlns:r="http://schemas.openxmlformats.org/officeDocument/2006/relationships" xmlns:p="http://schemas.openxmlformats.org/presentationml/2006/main" showMasterSp="0" showMasterPhAnim="0">
   <p:cSld>
     <p:spTree>
@@ -1563,7 +1458,7 @@
 </p:notes>
 </file>
 
-<file path=ppt/notesSlides/notesSlide17.xml><?xml version="1.0" encoding="utf-8"?>
+<file path=ppt/notesSlides/notesSlide16.xml><?xml version="1.0" encoding="utf-8"?>
 <p:notes xmlns:a="http://schemas.openxmlformats.org/drawingml/2006/main" xmlns:r="http://schemas.openxmlformats.org/officeDocument/2006/relationships" xmlns:p="http://schemas.openxmlformats.org/presentationml/2006/main" showMasterSp="0" showMasterPhAnim="0">
   <p:cSld>
     <p:spTree>
@@ -1667,7 +1562,7 @@
 </p:notes>
 </file>
 
-<file path=ppt/notesSlides/notesSlide18.xml><?xml version="1.0" encoding="utf-8"?>
+<file path=ppt/notesSlides/notesSlide17.xml><?xml version="1.0" encoding="utf-8"?>
 <p:notes xmlns:a="http://schemas.openxmlformats.org/drawingml/2006/main" xmlns:r="http://schemas.openxmlformats.org/officeDocument/2006/relationships" xmlns:p="http://schemas.openxmlformats.org/presentationml/2006/main" showMasterSp="0" showMasterPhAnim="0">
   <p:cSld>
     <p:spTree>
@@ -1984,110 +1879,6 @@
   <p:cSld>
     <p:spTree>
       <p:nvGrpSpPr>
-        <p:cNvPr id="1" name="Shape 140"/>
-        <p:cNvGrpSpPr/>
-        <p:nvPr/>
-      </p:nvGrpSpPr>
-      <p:grpSpPr>
-        <a:xfrm>
-          <a:off x="0" y="0"/>
-          <a:ext cx="0" cy="0"/>
-          <a:chOff x="0" y="0"/>
-          <a:chExt cx="0" cy="0"/>
-        </a:xfrm>
-      </p:grpSpPr>
-      <p:sp>
-        <p:nvSpPr>
-          <p:cNvPr id="141" name="Google Shape;141;g282ea628d58_0_115:notes"/>
-          <p:cNvSpPr>
-            <a:spLocks noGrp="1" noRot="1" noChangeAspect="1"/>
-          </p:cNvSpPr>
-          <p:nvPr>
-            <p:ph type="sldImg" idx="2"/>
-          </p:nvPr>
-        </p:nvSpPr>
-        <p:spPr>
-          <a:xfrm>
-            <a:off x="381000" y="685800"/>
-            <a:ext cx="6096000" cy="3429000"/>
-          </a:xfrm>
-          <a:custGeom>
-            <a:avLst/>
-            <a:gdLst/>
-            <a:ahLst/>
-            <a:cxnLst/>
-            <a:rect l="l" t="t" r="r" b="b"/>
-            <a:pathLst>
-              <a:path w="120000" h="120000" extrusionOk="0">
-                <a:moveTo>
-                  <a:pt x="0" y="0"/>
-                </a:moveTo>
-                <a:lnTo>
-                  <a:pt x="120000" y="0"/>
-                </a:lnTo>
-                <a:lnTo>
-                  <a:pt x="120000" y="120000"/>
-                </a:lnTo>
-                <a:lnTo>
-                  <a:pt x="0" y="120000"/>
-                </a:lnTo>
-                <a:close/>
-              </a:path>
-            </a:pathLst>
-          </a:custGeom>
-        </p:spPr>
-      </p:sp>
-      <p:sp>
-        <p:nvSpPr>
-          <p:cNvPr id="142" name="Google Shape;142;g282ea628d58_0_115:notes"/>
-          <p:cNvSpPr txBox="1">
-            <a:spLocks noGrp="1"/>
-          </p:cNvSpPr>
-          <p:nvPr>
-            <p:ph type="body" idx="1"/>
-          </p:nvPr>
-        </p:nvSpPr>
-        <p:spPr>
-          <a:xfrm>
-            <a:off x="685800" y="4343400"/>
-            <a:ext cx="5486400" cy="4114800"/>
-          </a:xfrm>
-          <a:prstGeom prst="rect">
-            <a:avLst/>
-          </a:prstGeom>
-        </p:spPr>
-        <p:txBody>
-          <a:bodyPr spcFirstLastPara="1" wrap="square" lIns="91425" tIns="91425" rIns="91425" bIns="91425" anchor="t" anchorCtr="0">
-            <a:noAutofit/>
-          </a:bodyPr>
-          <a:lstStyle/>
-          <a:p>
-            <a:pPr marL="0" lvl="0" indent="0" algn="l" rtl="0">
-              <a:spcBef>
-                <a:spcPts val="0"/>
-              </a:spcBef>
-              <a:spcAft>
-                <a:spcPts val="0"/>
-              </a:spcAft>
-              <a:buNone/>
-            </a:pPr>
-            <a:endParaRPr/>
-          </a:p>
-        </p:txBody>
-      </p:sp>
-    </p:spTree>
-  </p:cSld>
-  <p:clrMapOvr>
-    <a:masterClrMapping/>
-  </p:clrMapOvr>
-</p:notes>
-</file>
-
-<file path=ppt/notesSlides/notesSlide5.xml><?xml version="1.0" encoding="utf-8"?>
-<p:notes xmlns:a="http://schemas.openxmlformats.org/drawingml/2006/main" xmlns:r="http://schemas.openxmlformats.org/officeDocument/2006/relationships" xmlns:p="http://schemas.openxmlformats.org/presentationml/2006/main" showMasterSp="0" showMasterPhAnim="0">
-  <p:cSld>
-    <p:spTree>
-      <p:nvGrpSpPr>
         <p:cNvPr id="1" name="Shape 147"/>
         <p:cNvGrpSpPr/>
         <p:nvPr/>
@@ -2187,7 +1978,7 @@
 </p:notes>
 </file>
 
-<file path=ppt/notesSlides/notesSlide6.xml><?xml version="1.0" encoding="utf-8"?>
+<file path=ppt/notesSlides/notesSlide5.xml><?xml version="1.0" encoding="utf-8"?>
 <p:notes xmlns:a="http://schemas.openxmlformats.org/drawingml/2006/main" xmlns:r="http://schemas.openxmlformats.org/officeDocument/2006/relationships" xmlns:p="http://schemas.openxmlformats.org/presentationml/2006/main" showMasterSp="0" showMasterPhAnim="0">
   <p:cSld>
     <p:spTree>
@@ -2291,7 +2082,7 @@
 </p:notes>
 </file>
 
-<file path=ppt/notesSlides/notesSlide7.xml><?xml version="1.0" encoding="utf-8"?>
+<file path=ppt/notesSlides/notesSlide6.xml><?xml version="1.0" encoding="utf-8"?>
 <p:notes xmlns:a="http://schemas.openxmlformats.org/drawingml/2006/main" xmlns:r="http://schemas.openxmlformats.org/officeDocument/2006/relationships" xmlns:p="http://schemas.openxmlformats.org/presentationml/2006/main" showMasterSp="0" showMasterPhAnim="0">
   <p:cSld>
     <p:spTree>
@@ -2395,7 +2186,7 @@
 </p:notes>
 </file>
 
-<file path=ppt/notesSlides/notesSlide8.xml><?xml version="1.0" encoding="utf-8"?>
+<file path=ppt/notesSlides/notesSlide7.xml><?xml version="1.0" encoding="utf-8"?>
 <p:notes xmlns:a="http://schemas.openxmlformats.org/drawingml/2006/main" xmlns:r="http://schemas.openxmlformats.org/officeDocument/2006/relationships" xmlns:p="http://schemas.openxmlformats.org/presentationml/2006/main" showMasterSp="0" showMasterPhAnim="0">
   <p:cSld>
     <p:spTree>
@@ -2499,7 +2290,7 @@
 </p:notes>
 </file>
 
-<file path=ppt/notesSlides/notesSlide9.xml><?xml version="1.0" encoding="utf-8"?>
+<file path=ppt/notesSlides/notesSlide8.xml><?xml version="1.0" encoding="utf-8"?>
 <p:notes xmlns:a="http://schemas.openxmlformats.org/drawingml/2006/main" xmlns:r="http://schemas.openxmlformats.org/officeDocument/2006/relationships" xmlns:p="http://schemas.openxmlformats.org/presentationml/2006/main" showMasterSp="0" showMasterPhAnim="0">
   <p:cSld>
     <p:spTree>
@@ -2560,6 +2351,110 @@
       <p:sp>
         <p:nvSpPr>
           <p:cNvPr id="177" name="Google Shape;177;g282ea628e49_1_19:notes"/>
+          <p:cNvSpPr txBox="1">
+            <a:spLocks noGrp="1"/>
+          </p:cNvSpPr>
+          <p:nvPr>
+            <p:ph type="body" idx="1"/>
+          </p:nvPr>
+        </p:nvSpPr>
+        <p:spPr>
+          <a:xfrm>
+            <a:off x="685800" y="4343400"/>
+            <a:ext cx="5486400" cy="4114800"/>
+          </a:xfrm>
+          <a:prstGeom prst="rect">
+            <a:avLst/>
+          </a:prstGeom>
+        </p:spPr>
+        <p:txBody>
+          <a:bodyPr spcFirstLastPara="1" wrap="square" lIns="91425" tIns="91425" rIns="91425" bIns="91425" anchor="t" anchorCtr="0">
+            <a:noAutofit/>
+          </a:bodyPr>
+          <a:lstStyle/>
+          <a:p>
+            <a:pPr marL="0" lvl="0" indent="0" algn="l" rtl="0">
+              <a:spcBef>
+                <a:spcPts val="0"/>
+              </a:spcBef>
+              <a:spcAft>
+                <a:spcPts val="0"/>
+              </a:spcAft>
+              <a:buNone/>
+            </a:pPr>
+            <a:endParaRPr/>
+          </a:p>
+        </p:txBody>
+      </p:sp>
+    </p:spTree>
+  </p:cSld>
+  <p:clrMapOvr>
+    <a:masterClrMapping/>
+  </p:clrMapOvr>
+</p:notes>
+</file>
+
+<file path=ppt/notesSlides/notesSlide9.xml><?xml version="1.0" encoding="utf-8"?>
+<p:notes xmlns:a="http://schemas.openxmlformats.org/drawingml/2006/main" xmlns:r="http://schemas.openxmlformats.org/officeDocument/2006/relationships" xmlns:p="http://schemas.openxmlformats.org/presentationml/2006/main" showMasterSp="0" showMasterPhAnim="0">
+  <p:cSld>
+    <p:spTree>
+      <p:nvGrpSpPr>
+        <p:cNvPr id="1" name="Shape 181"/>
+        <p:cNvGrpSpPr/>
+        <p:nvPr/>
+      </p:nvGrpSpPr>
+      <p:grpSpPr>
+        <a:xfrm>
+          <a:off x="0" y="0"/>
+          <a:ext cx="0" cy="0"/>
+          <a:chOff x="0" y="0"/>
+          <a:chExt cx="0" cy="0"/>
+        </a:xfrm>
+      </p:grpSpPr>
+      <p:sp>
+        <p:nvSpPr>
+          <p:cNvPr id="182" name="Google Shape;182;g282ea628e49_1_49:notes"/>
+          <p:cNvSpPr>
+            <a:spLocks noGrp="1" noRot="1" noChangeAspect="1"/>
+          </p:cNvSpPr>
+          <p:nvPr>
+            <p:ph type="sldImg" idx="2"/>
+          </p:nvPr>
+        </p:nvSpPr>
+        <p:spPr>
+          <a:xfrm>
+            <a:off x="381000" y="685800"/>
+            <a:ext cx="6096000" cy="3429000"/>
+          </a:xfrm>
+          <a:custGeom>
+            <a:avLst/>
+            <a:gdLst/>
+            <a:ahLst/>
+            <a:cxnLst/>
+            <a:rect l="l" t="t" r="r" b="b"/>
+            <a:pathLst>
+              <a:path w="120000" h="120000" extrusionOk="0">
+                <a:moveTo>
+                  <a:pt x="0" y="0"/>
+                </a:moveTo>
+                <a:lnTo>
+                  <a:pt x="120000" y="0"/>
+                </a:lnTo>
+                <a:lnTo>
+                  <a:pt x="120000" y="120000"/>
+                </a:lnTo>
+                <a:lnTo>
+                  <a:pt x="0" y="120000"/>
+                </a:lnTo>
+                <a:close/>
+              </a:path>
+            </a:pathLst>
+          </a:custGeom>
+        </p:spPr>
+      </p:sp>
+      <p:sp>
+        <p:nvSpPr>
+          <p:cNvPr id="183" name="Google Shape;183;g282ea628e49_1_49:notes"/>
           <p:cNvSpPr txBox="1">
             <a:spLocks noGrp="1"/>
           </p:cNvSpPr>
@@ -15804,290 +15699,6 @@
   <p:cSld>
     <p:spTree>
       <p:nvGrpSpPr>
-        <p:cNvPr id="1" name="Shape 184"/>
-        <p:cNvGrpSpPr/>
-        <p:nvPr/>
-      </p:nvGrpSpPr>
-      <p:grpSpPr>
-        <a:xfrm>
-          <a:off x="0" y="0"/>
-          <a:ext cx="0" cy="0"/>
-          <a:chOff x="0" y="0"/>
-          <a:chExt cx="0" cy="0"/>
-        </a:xfrm>
-      </p:grpSpPr>
-      <p:sp>
-        <p:nvSpPr>
-          <p:cNvPr id="185" name="Google Shape;185;p22"/>
-          <p:cNvSpPr txBox="1">
-            <a:spLocks noGrp="1"/>
-          </p:cNvSpPr>
-          <p:nvPr>
-            <p:ph type="title"/>
-          </p:nvPr>
-        </p:nvSpPr>
-        <p:spPr>
-          <a:xfrm>
-            <a:off x="413146" y="411956"/>
-            <a:ext cx="8318700" cy="999000"/>
-          </a:xfrm>
-          <a:prstGeom prst="rect">
-            <a:avLst/>
-          </a:prstGeom>
-        </p:spPr>
-        <p:txBody>
-          <a:bodyPr spcFirstLastPara="1" wrap="square" lIns="0" tIns="0" rIns="0" bIns="0" anchor="t" anchorCtr="0">
-            <a:normAutofit/>
-          </a:bodyPr>
-          <a:lstStyle/>
-          <a:p>
-            <a:pPr marL="0" lvl="0" indent="0" algn="l" rtl="0">
-              <a:spcBef>
-                <a:spcPts val="0"/>
-              </a:spcBef>
-              <a:spcAft>
-                <a:spcPts val="0"/>
-              </a:spcAft>
-              <a:buNone/>
-            </a:pPr>
-            <a:r>
-              <a:rPr lang="ru">
-                <a:solidFill>
-                  <a:schemeClr val="dk1"/>
-                </a:solidFill>
-              </a:rPr>
-              <a:t>Что такое энтропия?</a:t>
-            </a:r>
-            <a:endParaRPr>
-              <a:solidFill>
-                <a:schemeClr val="dk1"/>
-              </a:solidFill>
-            </a:endParaRPr>
-          </a:p>
-        </p:txBody>
-      </p:sp>
-      <p:sp>
-        <p:nvSpPr>
-          <p:cNvPr id="186" name="Google Shape;186;p22"/>
-          <p:cNvSpPr txBox="1">
-            <a:spLocks noGrp="1"/>
-          </p:cNvSpPr>
-          <p:nvPr>
-            <p:ph type="body" idx="1"/>
-          </p:nvPr>
-        </p:nvSpPr>
-        <p:spPr>
-          <a:xfrm>
-            <a:off x="413147" y="1584899"/>
-            <a:ext cx="8317800" cy="2984700"/>
-          </a:xfrm>
-          <a:prstGeom prst="rect">
-            <a:avLst/>
-          </a:prstGeom>
-        </p:spPr>
-        <p:txBody>
-          <a:bodyPr spcFirstLastPara="1" wrap="square" lIns="0" tIns="0" rIns="0" bIns="0" anchor="t" anchorCtr="0">
-            <a:normAutofit/>
-          </a:bodyPr>
-          <a:lstStyle/>
-          <a:p>
-            <a:pPr marL="0" lvl="0" indent="0" algn="l" rtl="0">
-              <a:lnSpc>
-                <a:spcPct val="115000"/>
-              </a:lnSpc>
-              <a:spcBef>
-                <a:spcPts val="400"/>
-              </a:spcBef>
-              <a:spcAft>
-                <a:spcPts val="0"/>
-              </a:spcAft>
-              <a:buClr>
-                <a:schemeClr val="dk1"/>
-              </a:buClr>
-              <a:buSzPts val="1100"/>
-              <a:buFont typeface="Arial"/>
-              <a:buNone/>
-            </a:pPr>
-            <a:r>
-              <a:rPr lang="ru" sz="1800">
-                <a:solidFill>
-                  <a:schemeClr val="dk1"/>
-                </a:solidFill>
-                <a:latin typeface="Arial"/>
-                <a:ea typeface="Arial"/>
-                <a:cs typeface="Arial"/>
-                <a:sym typeface="Arial"/>
-              </a:rPr>
-              <a:t>Информационная энтропия – это мера неопределённости или непредсказуемости информации, неопределённость появления какого- либо символа алфавита.</a:t>
-            </a:r>
-            <a:endParaRPr sz="1800">
-              <a:solidFill>
-                <a:schemeClr val="dk1"/>
-              </a:solidFill>
-              <a:latin typeface="Arial"/>
-              <a:ea typeface="Arial"/>
-              <a:cs typeface="Arial"/>
-              <a:sym typeface="Arial"/>
-            </a:endParaRPr>
-          </a:p>
-          <a:p>
-            <a:pPr marL="0" lvl="0" indent="0" algn="l" rtl="0">
-              <a:lnSpc>
-                <a:spcPct val="115000"/>
-              </a:lnSpc>
-              <a:spcBef>
-                <a:spcPts val="400"/>
-              </a:spcBef>
-              <a:spcAft>
-                <a:spcPts val="0"/>
-              </a:spcAft>
-              <a:buClr>
-                <a:schemeClr val="dk1"/>
-              </a:buClr>
-              <a:buSzPts val="1100"/>
-              <a:buFont typeface="Arial"/>
-              <a:buNone/>
-            </a:pPr>
-            <a:r>
-              <a:rPr lang="ru" sz="1800">
-                <a:solidFill>
-                  <a:schemeClr val="dk1"/>
-                </a:solidFill>
-                <a:latin typeface="Arial"/>
-                <a:ea typeface="Arial"/>
-                <a:cs typeface="Arial"/>
-                <a:sym typeface="Arial"/>
-              </a:rPr>
-              <a:t>Иными словами, сколько вариаций ключа может быть. Чем больше бит ключ занимает, тем больше его вариаций может быть -&gt; тем больше энтропия ключа.</a:t>
-            </a:r>
-            <a:endParaRPr sz="1800">
-              <a:solidFill>
-                <a:schemeClr val="dk1"/>
-              </a:solidFill>
-              <a:latin typeface="Arial"/>
-              <a:ea typeface="Arial"/>
-              <a:cs typeface="Arial"/>
-              <a:sym typeface="Arial"/>
-            </a:endParaRPr>
-          </a:p>
-          <a:p>
-            <a:pPr marL="0" lvl="0" indent="0" algn="l" rtl="0">
-              <a:lnSpc>
-                <a:spcPct val="115000"/>
-              </a:lnSpc>
-              <a:spcBef>
-                <a:spcPts val="400"/>
-              </a:spcBef>
-              <a:spcAft>
-                <a:spcPts val="0"/>
-              </a:spcAft>
-              <a:buClr>
-                <a:schemeClr val="dk1"/>
-              </a:buClr>
-              <a:buSzPts val="1100"/>
-              <a:buFont typeface="Arial"/>
-              <a:buNone/>
-            </a:pPr>
-            <a:r>
-              <a:rPr lang="ru" sz="1800">
-                <a:solidFill>
-                  <a:schemeClr val="dk1"/>
-                </a:solidFill>
-                <a:latin typeface="Arial"/>
-                <a:ea typeface="Arial"/>
-                <a:cs typeface="Arial"/>
-                <a:sym typeface="Arial"/>
-              </a:rPr>
-              <a:t>В нашем случае энтропия – количество байт в ключе.</a:t>
-            </a:r>
-            <a:endParaRPr sz="1800">
-              <a:solidFill>
-                <a:schemeClr val="dk1"/>
-              </a:solidFill>
-              <a:latin typeface="Arial"/>
-              <a:ea typeface="Arial"/>
-              <a:cs typeface="Arial"/>
-              <a:sym typeface="Arial"/>
-            </a:endParaRPr>
-          </a:p>
-          <a:p>
-            <a:pPr marL="0" lvl="0" indent="0" algn="l" rtl="0">
-              <a:spcBef>
-                <a:spcPts val="800"/>
-              </a:spcBef>
-              <a:spcAft>
-                <a:spcPts val="600"/>
-              </a:spcAft>
-              <a:buNone/>
-            </a:pPr>
-            <a:endParaRPr>
-              <a:latin typeface="Arial"/>
-              <a:ea typeface="Arial"/>
-              <a:cs typeface="Arial"/>
-              <a:sym typeface="Arial"/>
-            </a:endParaRPr>
-          </a:p>
-        </p:txBody>
-      </p:sp>
-      <p:sp>
-        <p:nvSpPr>
-          <p:cNvPr id="6" name="Номер слайда 5">
-            <a:extLst>
-              <a:ext uri="{FF2B5EF4-FFF2-40B4-BE49-F238E27FC236}">
-                <a16:creationId xmlns:a16="http://schemas.microsoft.com/office/drawing/2014/main" id="{41A7711B-3FB1-9236-94BF-1ECF8267A9E4}"/>
-              </a:ext>
-            </a:extLst>
-          </p:cNvPr>
-          <p:cNvSpPr>
-            <a:spLocks noGrp="1"/>
-          </p:cNvSpPr>
-          <p:nvPr>
-            <p:ph type="sldNum" idx="12"/>
-          </p:nvPr>
-        </p:nvSpPr>
-        <p:spPr/>
-        <p:txBody>
-          <a:bodyPr/>
-          <a:lstStyle/>
-          <a:p>
-            <a:pPr marL="0" lvl="0" indent="0" algn="r" rtl="0">
-              <a:spcBef>
-                <a:spcPts val="0"/>
-              </a:spcBef>
-              <a:spcAft>
-                <a:spcPts val="0"/>
-              </a:spcAft>
-              <a:buNone/>
-            </a:pPr>
-            <a:fld id="{00000000-1234-1234-1234-123412341234}" type="slidenum">
-              <a:rPr lang="ru" smtClean="0">
-                <a:solidFill>
-                  <a:schemeClr val="tx1"/>
-                </a:solidFill>
-              </a:rPr>
-              <a:t>10</a:t>
-            </a:fld>
-            <a:endParaRPr lang="ru" dirty="0">
-              <a:solidFill>
-                <a:schemeClr val="tx1"/>
-              </a:solidFill>
-            </a:endParaRPr>
-          </a:p>
-        </p:txBody>
-      </p:sp>
-    </p:spTree>
-  </p:cSld>
-  <p:clrMapOvr>
-    <a:masterClrMapping/>
-  </p:clrMapOvr>
-</p:sld>
-</file>
-
-<file path=ppt/slides/slide11.xml><?xml version="1.0" encoding="utf-8"?>
-<p:sld xmlns:a="http://schemas.openxmlformats.org/drawingml/2006/main" xmlns:r="http://schemas.openxmlformats.org/officeDocument/2006/relationships" xmlns:p="http://schemas.openxmlformats.org/presentationml/2006/main">
-  <p:cSld>
-    <p:spTree>
-      <p:nvGrpSpPr>
         <p:cNvPr id="1" name="Shape 190"/>
         <p:cNvGrpSpPr/>
         <p:nvPr/>
@@ -16305,7 +15916,7 @@
                   <a:schemeClr val="tx1"/>
                 </a:solidFill>
               </a:rPr>
-              <a:t>11</a:t>
+              <a:t>10</a:t>
             </a:fld>
             <a:endParaRPr lang="ru" dirty="0">
               <a:solidFill>
@@ -16323,7 +15934,7 @@
 </p:sld>
 </file>
 
-<file path=ppt/slides/slide12.xml><?xml version="1.0" encoding="utf-8"?>
+<file path=ppt/slides/slide11.xml><?xml version="1.0" encoding="utf-8"?>
 <p:sld xmlns:a="http://schemas.openxmlformats.org/drawingml/2006/main" xmlns:r="http://schemas.openxmlformats.org/officeDocument/2006/relationships" xmlns:p="http://schemas.openxmlformats.org/presentationml/2006/main">
   <p:cSld>
     <p:spTree>
@@ -16522,7 +16133,7 @@
                   <a:schemeClr val="tx1"/>
                 </a:solidFill>
               </a:rPr>
-              <a:t>12</a:t>
+              <a:t>11</a:t>
             </a:fld>
             <a:endParaRPr lang="ru" dirty="0">
               <a:solidFill>
@@ -16540,7 +16151,7 @@
 </p:sld>
 </file>
 
-<file path=ppt/slides/slide13.xml><?xml version="1.0" encoding="utf-8"?>
+<file path=ppt/slides/slide12.xml><?xml version="1.0" encoding="utf-8"?>
 <p:sld xmlns:a="http://schemas.openxmlformats.org/drawingml/2006/main" xmlns:r="http://schemas.openxmlformats.org/officeDocument/2006/relationships" xmlns:p="http://schemas.openxmlformats.org/presentationml/2006/main">
   <p:cSld>
     <p:spTree>
@@ -16725,7 +16336,7 @@
                   <a:schemeClr val="tx1"/>
                 </a:solidFill>
               </a:rPr>
-              <a:t>13</a:t>
+              <a:t>12</a:t>
             </a:fld>
             <a:endParaRPr lang="ru" dirty="0">
               <a:solidFill>
@@ -16743,7 +16354,7 @@
 </p:sld>
 </file>
 
-<file path=ppt/slides/slide14.xml><?xml version="1.0" encoding="utf-8"?>
+<file path=ppt/slides/slide13.xml><?xml version="1.0" encoding="utf-8"?>
 <p:sld xmlns:a="http://schemas.openxmlformats.org/drawingml/2006/main" xmlns:r="http://schemas.openxmlformats.org/officeDocument/2006/relationships" xmlns:p="http://schemas.openxmlformats.org/presentationml/2006/main">
   <p:cSld>
     <p:spTree>
@@ -16912,7 +16523,7 @@
                   <a:schemeClr val="tx1"/>
                 </a:solidFill>
               </a:rPr>
-              <a:t>14</a:t>
+              <a:t>13</a:t>
             </a:fld>
             <a:endParaRPr lang="ru" dirty="0">
               <a:solidFill>
@@ -16930,7 +16541,7 @@
 </p:sld>
 </file>
 
-<file path=ppt/slides/slide15.xml><?xml version="1.0" encoding="utf-8"?>
+<file path=ppt/slides/slide14.xml><?xml version="1.0" encoding="utf-8"?>
 <p:sld xmlns:a="http://schemas.openxmlformats.org/drawingml/2006/main" xmlns:r="http://schemas.openxmlformats.org/officeDocument/2006/relationships" xmlns:p="http://schemas.openxmlformats.org/presentationml/2006/main">
   <p:cSld>
     <p:spTree>
@@ -17085,7 +16696,7 @@
             </a:pPr>
             <a:fld id="{00000000-1234-1234-1234-123412341234}" type="slidenum">
               <a:rPr lang="ru" smtClean="0"/>
-              <a:t>15</a:t>
+              <a:t>14</a:t>
             </a:fld>
             <a:endParaRPr lang="ru"/>
           </a:p>
@@ -17182,7 +16793,7 @@
 </p:sld>
 </file>
 
-<file path=ppt/slides/slide16.xml><?xml version="1.0" encoding="utf-8"?>
+<file path=ppt/slides/slide15.xml><?xml version="1.0" encoding="utf-8"?>
 <p:sld xmlns:a="http://schemas.openxmlformats.org/drawingml/2006/main" xmlns:r="http://schemas.openxmlformats.org/officeDocument/2006/relationships" xmlns:p="http://schemas.openxmlformats.org/presentationml/2006/main">
   <p:cSld>
     <p:spTree>
@@ -17476,7 +17087,7 @@
                   <a:schemeClr val="tx1"/>
                 </a:solidFill>
               </a:rPr>
-              <a:t>16</a:t>
+              <a:t>15</a:t>
             </a:fld>
             <a:endParaRPr lang="ru" dirty="0">
               <a:solidFill>
@@ -17494,7 +17105,7 @@
 </p:sld>
 </file>
 
-<file path=ppt/slides/slide17.xml><?xml version="1.0" encoding="utf-8"?>
+<file path=ppt/slides/slide16.xml><?xml version="1.0" encoding="utf-8"?>
 <p:sld xmlns:a="http://schemas.openxmlformats.org/drawingml/2006/main" xmlns:r="http://schemas.openxmlformats.org/officeDocument/2006/relationships" xmlns:p="http://schemas.openxmlformats.org/presentationml/2006/main">
   <p:cSld>
     <p:spTree>
@@ -17738,7 +17349,7 @@
                   <a:schemeClr val="tx1"/>
                 </a:solidFill>
               </a:rPr>
-              <a:t>17</a:t>
+              <a:t>16</a:t>
             </a:fld>
             <a:endParaRPr lang="ru" dirty="0">
               <a:solidFill>
@@ -17756,7 +17367,7 @@
 </p:sld>
 </file>
 
-<file path=ppt/slides/slide18.xml><?xml version="1.0" encoding="utf-8"?>
+<file path=ppt/slides/slide17.xml><?xml version="1.0" encoding="utf-8"?>
 <p:sld xmlns:a="http://schemas.openxmlformats.org/drawingml/2006/main" xmlns:r="http://schemas.openxmlformats.org/officeDocument/2006/relationships" xmlns:p="http://schemas.openxmlformats.org/presentationml/2006/main">
   <p:cSld>
     <p:spTree>
@@ -18044,7 +17655,7 @@
                   <a:schemeClr val="tx1"/>
                 </a:solidFill>
               </a:rPr>
-              <a:t>18</a:t>
+              <a:t>17</a:t>
             </a:fld>
             <a:endParaRPr lang="ru" dirty="0">
               <a:solidFill>
@@ -18473,268 +18084,6 @@
 </file>
 
 <file path=ppt/slides/slide4.xml><?xml version="1.0" encoding="utf-8"?>
-<p:sld xmlns:a="http://schemas.openxmlformats.org/drawingml/2006/main" xmlns:r="http://schemas.openxmlformats.org/officeDocument/2006/relationships" xmlns:p="http://schemas.openxmlformats.org/presentationml/2006/main">
-  <p:cSld>
-    <p:spTree>
-      <p:nvGrpSpPr>
-        <p:cNvPr id="1" name="Shape 143"/>
-        <p:cNvGrpSpPr/>
-        <p:nvPr/>
-      </p:nvGrpSpPr>
-      <p:grpSpPr>
-        <a:xfrm>
-          <a:off x="0" y="0"/>
-          <a:ext cx="0" cy="0"/>
-          <a:chOff x="0" y="0"/>
-          <a:chExt cx="0" cy="0"/>
-        </a:xfrm>
-      </p:grpSpPr>
-      <p:sp>
-        <p:nvSpPr>
-          <p:cNvPr id="144" name="Google Shape;144;p16"/>
-          <p:cNvSpPr txBox="1">
-            <a:spLocks noGrp="1"/>
-          </p:cNvSpPr>
-          <p:nvPr>
-            <p:ph type="title"/>
-          </p:nvPr>
-        </p:nvSpPr>
-        <p:spPr>
-          <a:xfrm>
-            <a:off x="413146" y="295406"/>
-            <a:ext cx="8318700" cy="999000"/>
-          </a:xfrm>
-          <a:prstGeom prst="rect">
-            <a:avLst/>
-          </a:prstGeom>
-        </p:spPr>
-        <p:txBody>
-          <a:bodyPr spcFirstLastPara="1" wrap="square" lIns="0" tIns="0" rIns="0" bIns="0" anchor="t" anchorCtr="0">
-            <a:normAutofit/>
-          </a:bodyPr>
-          <a:lstStyle/>
-          <a:p>
-            <a:pPr marL="0" lvl="0" indent="0" algn="l" rtl="0">
-              <a:spcBef>
-                <a:spcPts val="0"/>
-              </a:spcBef>
-              <a:spcAft>
-                <a:spcPts val="0"/>
-              </a:spcAft>
-              <a:buNone/>
-            </a:pPr>
-            <a:r>
-              <a:rPr lang="ru" sz="3400">
-                <a:solidFill>
-                  <a:schemeClr val="dk1"/>
-                </a:solidFill>
-              </a:rPr>
-              <a:t>Немного истории</a:t>
-            </a:r>
-            <a:endParaRPr sz="3400">
-              <a:solidFill>
-                <a:schemeClr val="dk1"/>
-              </a:solidFill>
-            </a:endParaRPr>
-          </a:p>
-        </p:txBody>
-      </p:sp>
-      <p:sp>
-        <p:nvSpPr>
-          <p:cNvPr id="145" name="Google Shape;145;p16"/>
-          <p:cNvSpPr txBox="1">
-            <a:spLocks noGrp="1"/>
-          </p:cNvSpPr>
-          <p:nvPr>
-            <p:ph type="body" idx="1"/>
-          </p:nvPr>
-        </p:nvSpPr>
-        <p:spPr>
-          <a:xfrm>
-            <a:off x="413147" y="1584899"/>
-            <a:ext cx="8317800" cy="2984700"/>
-          </a:xfrm>
-          <a:prstGeom prst="rect">
-            <a:avLst/>
-          </a:prstGeom>
-        </p:spPr>
-        <p:txBody>
-          <a:bodyPr spcFirstLastPara="1" wrap="square" lIns="0" tIns="0" rIns="0" bIns="0" anchor="t" anchorCtr="0">
-            <a:normAutofit/>
-          </a:bodyPr>
-          <a:lstStyle/>
-          <a:p>
-            <a:pPr marL="0" lvl="0" indent="0" algn="l" rtl="0">
-              <a:spcBef>
-                <a:spcPts val="800"/>
-              </a:spcBef>
-              <a:spcAft>
-                <a:spcPts val="600"/>
-              </a:spcAft>
-              <a:buNone/>
-            </a:pPr>
-            <a:endParaRPr/>
-          </a:p>
-        </p:txBody>
-      </p:sp>
-      <p:pic>
-        <p:nvPicPr>
-          <p:cNvPr id="146" name="Google Shape;146;p16"/>
-          <p:cNvPicPr preferRelativeResize="0"/>
-          <p:nvPr/>
-        </p:nvPicPr>
-        <p:blipFill>
-          <a:blip r:embed="rId3">
-            <a:alphaModFix/>
-          </a:blip>
-          <a:stretch>
-            <a:fillRect/>
-          </a:stretch>
-        </p:blipFill>
-        <p:spPr>
-          <a:xfrm>
-            <a:off x="1310925" y="966450"/>
-            <a:ext cx="6522150" cy="3443700"/>
-          </a:xfrm>
-          <a:prstGeom prst="rect">
-            <a:avLst/>
-          </a:prstGeom>
-          <a:noFill/>
-          <a:ln>
-            <a:noFill/>
-          </a:ln>
-        </p:spPr>
-      </p:pic>
-      <p:sp>
-        <p:nvSpPr>
-          <p:cNvPr id="6" name="Номер слайда 5">
-            <a:extLst>
-              <a:ext uri="{FF2B5EF4-FFF2-40B4-BE49-F238E27FC236}">
-                <a16:creationId xmlns:a16="http://schemas.microsoft.com/office/drawing/2014/main" id="{C5119D11-AA87-A8BB-3017-3FEFF69302EC}"/>
-              </a:ext>
-            </a:extLst>
-          </p:cNvPr>
-          <p:cNvSpPr>
-            <a:spLocks noGrp="1"/>
-          </p:cNvSpPr>
-          <p:nvPr>
-            <p:ph type="sldNum" idx="12"/>
-          </p:nvPr>
-        </p:nvSpPr>
-        <p:spPr/>
-        <p:txBody>
-          <a:bodyPr/>
-          <a:lstStyle/>
-          <a:p>
-            <a:pPr marL="0" lvl="0" indent="0" algn="r" rtl="0">
-              <a:spcBef>
-                <a:spcPts val="0"/>
-              </a:spcBef>
-              <a:spcAft>
-                <a:spcPts val="0"/>
-              </a:spcAft>
-              <a:buNone/>
-            </a:pPr>
-            <a:fld id="{00000000-1234-1234-1234-123412341234}" type="slidenum">
-              <a:rPr lang="ru" smtClean="0">
-                <a:solidFill>
-                  <a:schemeClr val="tx1"/>
-                </a:solidFill>
-              </a:rPr>
-              <a:t>4</a:t>
-            </a:fld>
-            <a:endParaRPr lang="ru" dirty="0">
-              <a:solidFill>
-                <a:schemeClr val="tx1"/>
-              </a:solidFill>
-            </a:endParaRPr>
-          </a:p>
-        </p:txBody>
-      </p:sp>
-    </p:spTree>
-  </p:cSld>
-  <p:clrMapOvr>
-    <a:masterClrMapping/>
-  </p:clrMapOvr>
-  <p:timing>
-    <p:tnLst>
-      <p:par>
-        <p:cTn id="1" dur="indefinite" restart="never" nodeType="tmRoot">
-          <p:childTnLst>
-            <p:seq concurrent="1" nextAc="seek">
-              <p:cTn id="2" dur="indefinite" nodeType="mainSeq">
-                <p:childTnLst>
-                  <p:par>
-                    <p:cTn id="3" fill="hold">
-                      <p:stCondLst>
-                        <p:cond delay="indefinite"/>
-                      </p:stCondLst>
-                      <p:childTnLst>
-                        <p:par>
-                          <p:cTn id="4" fill="hold">
-                            <p:stCondLst>
-                              <p:cond delay="0"/>
-                            </p:stCondLst>
-                            <p:childTnLst>
-                              <p:par>
-                                <p:cTn id="5" presetID="1" presetClass="entr" presetSubtype="0" fill="hold" nodeType="clickEffect">
-                                  <p:stCondLst>
-                                    <p:cond delay="0"/>
-                                  </p:stCondLst>
-                                  <p:childTnLst>
-                                    <p:set>
-                                      <p:cBhvr>
-                                        <p:cTn id="6" dur="1" fill="hold">
-                                          <p:stCondLst>
-                                            <p:cond delay="0"/>
-                                          </p:stCondLst>
-                                        </p:cTn>
-                                        <p:tgtEl>
-                                          <p:spTgt spid="146"/>
-                                        </p:tgtEl>
-                                        <p:attrNameLst>
-                                          <p:attrName>style.visibility</p:attrName>
-                                        </p:attrNameLst>
-                                      </p:cBhvr>
-                                      <p:to>
-                                        <p:strVal val="visible"/>
-                                      </p:to>
-                                    </p:set>
-                                  </p:childTnLst>
-                                </p:cTn>
-                              </p:par>
-                            </p:childTnLst>
-                          </p:cTn>
-                        </p:par>
-                      </p:childTnLst>
-                    </p:cTn>
-                  </p:par>
-                </p:childTnLst>
-              </p:cTn>
-              <p:prevCondLst>
-                <p:cond evt="onPrev" delay="0">
-                  <p:tgtEl>
-                    <p:sldTgt/>
-                  </p:tgtEl>
-                </p:cond>
-              </p:prevCondLst>
-              <p:nextCondLst>
-                <p:cond evt="onNext" delay="0">
-                  <p:tgtEl>
-                    <p:sldTgt/>
-                  </p:tgtEl>
-                </p:cond>
-              </p:nextCondLst>
-            </p:seq>
-          </p:childTnLst>
-        </p:cTn>
-      </p:par>
-    </p:tnLst>
-  </p:timing>
-</p:sld>
-</file>
-
-<file path=ppt/slides/slide5.xml><?xml version="1.0" encoding="utf-8"?>
 <p:sld xmlns:a="http://schemas.openxmlformats.org/drawingml/2006/main" xmlns:r="http://schemas.openxmlformats.org/officeDocument/2006/relationships" xmlns:p="http://schemas.openxmlformats.org/presentationml/2006/main">
   <p:cSld>
     <p:spTree>
@@ -18961,7 +18310,7 @@
                   <a:schemeClr val="tx1"/>
                 </a:solidFill>
               </a:rPr>
-              <a:t>5</a:t>
+              <a:t>4</a:t>
             </a:fld>
             <a:endParaRPr lang="ru" dirty="0">
               <a:solidFill>
@@ -18979,7 +18328,7 @@
 </p:sld>
 </file>
 
-<file path=ppt/slides/slide6.xml><?xml version="1.0" encoding="utf-8"?>
+<file path=ppt/slides/slide5.xml><?xml version="1.0" encoding="utf-8"?>
 <p:sld xmlns:a="http://schemas.openxmlformats.org/drawingml/2006/main" xmlns:r="http://schemas.openxmlformats.org/officeDocument/2006/relationships" xmlns:p="http://schemas.openxmlformats.org/presentationml/2006/main">
   <p:cSld>
     <p:spTree>
@@ -19248,7 +18597,7 @@
                   <a:schemeClr val="tx1"/>
                 </a:solidFill>
               </a:rPr>
-              <a:t>6</a:t>
+              <a:t>5</a:t>
             </a:fld>
             <a:endParaRPr lang="ru" dirty="0">
               <a:solidFill>
@@ -19266,7 +18615,7 @@
 </p:sld>
 </file>
 
-<file path=ppt/slides/slide7.xml><?xml version="1.0" encoding="utf-8"?>
+<file path=ppt/slides/slide6.xml><?xml version="1.0" encoding="utf-8"?>
 <p:sld xmlns:a="http://schemas.openxmlformats.org/drawingml/2006/main" xmlns:r="http://schemas.openxmlformats.org/officeDocument/2006/relationships" xmlns:p="http://schemas.openxmlformats.org/presentationml/2006/main">
   <p:cSld>
     <p:spTree>
@@ -19455,7 +18804,7 @@
                   <a:schemeClr val="tx1"/>
                 </a:solidFill>
               </a:rPr>
-              <a:t>7</a:t>
+              <a:t>6</a:t>
             </a:fld>
             <a:endParaRPr lang="ru" dirty="0">
               <a:solidFill>
@@ -19473,7 +18822,7 @@
 </p:sld>
 </file>
 
-<file path=ppt/slides/slide8.xml><?xml version="1.0" encoding="utf-8"?>
+<file path=ppt/slides/slide7.xml><?xml version="1.0" encoding="utf-8"?>
 <p:sld xmlns:a="http://schemas.openxmlformats.org/drawingml/2006/main" xmlns:r="http://schemas.openxmlformats.org/officeDocument/2006/relationships" xmlns:p="http://schemas.openxmlformats.org/presentationml/2006/main">
   <p:cSld>
     <p:spTree>
@@ -19642,7 +18991,7 @@
                   <a:schemeClr val="tx1"/>
                 </a:solidFill>
               </a:rPr>
-              <a:t>8</a:t>
+              <a:t>7</a:t>
             </a:fld>
             <a:endParaRPr lang="ru" dirty="0">
               <a:solidFill>
@@ -19660,7 +19009,7 @@
 </p:sld>
 </file>
 
-<file path=ppt/slides/slide9.xml><?xml version="1.0" encoding="utf-8"?>
+<file path=ppt/slides/slide8.xml><?xml version="1.0" encoding="utf-8"?>
 <p:sld xmlns:a="http://schemas.openxmlformats.org/drawingml/2006/main" xmlns:r="http://schemas.openxmlformats.org/officeDocument/2006/relationships" xmlns:p="http://schemas.openxmlformats.org/presentationml/2006/main">
   <p:cSld>
     <p:spTree>
@@ -20649,6 +19998,290 @@
             <a:extLst>
               <a:ext uri="{FF2B5EF4-FFF2-40B4-BE49-F238E27FC236}">
                 <a16:creationId xmlns:a16="http://schemas.microsoft.com/office/drawing/2014/main" id="{784DDCE2-EFC2-2200-13C8-6EFE58042DBA}"/>
+              </a:ext>
+            </a:extLst>
+          </p:cNvPr>
+          <p:cNvSpPr>
+            <a:spLocks noGrp="1"/>
+          </p:cNvSpPr>
+          <p:nvPr>
+            <p:ph type="sldNum" idx="12"/>
+          </p:nvPr>
+        </p:nvSpPr>
+        <p:spPr/>
+        <p:txBody>
+          <a:bodyPr/>
+          <a:lstStyle/>
+          <a:p>
+            <a:pPr marL="0" lvl="0" indent="0" algn="r" rtl="0">
+              <a:spcBef>
+                <a:spcPts val="0"/>
+              </a:spcBef>
+              <a:spcAft>
+                <a:spcPts val="0"/>
+              </a:spcAft>
+              <a:buNone/>
+            </a:pPr>
+            <a:fld id="{00000000-1234-1234-1234-123412341234}" type="slidenum">
+              <a:rPr lang="ru" smtClean="0">
+                <a:solidFill>
+                  <a:schemeClr val="tx1"/>
+                </a:solidFill>
+              </a:rPr>
+              <a:t>8</a:t>
+            </a:fld>
+            <a:endParaRPr lang="ru" dirty="0">
+              <a:solidFill>
+                <a:schemeClr val="tx1"/>
+              </a:solidFill>
+            </a:endParaRPr>
+          </a:p>
+        </p:txBody>
+      </p:sp>
+    </p:spTree>
+  </p:cSld>
+  <p:clrMapOvr>
+    <a:masterClrMapping/>
+  </p:clrMapOvr>
+</p:sld>
+</file>
+
+<file path=ppt/slides/slide9.xml><?xml version="1.0" encoding="utf-8"?>
+<p:sld xmlns:a="http://schemas.openxmlformats.org/drawingml/2006/main" xmlns:r="http://schemas.openxmlformats.org/officeDocument/2006/relationships" xmlns:p="http://schemas.openxmlformats.org/presentationml/2006/main">
+  <p:cSld>
+    <p:spTree>
+      <p:nvGrpSpPr>
+        <p:cNvPr id="1" name="Shape 184"/>
+        <p:cNvGrpSpPr/>
+        <p:nvPr/>
+      </p:nvGrpSpPr>
+      <p:grpSpPr>
+        <a:xfrm>
+          <a:off x="0" y="0"/>
+          <a:ext cx="0" cy="0"/>
+          <a:chOff x="0" y="0"/>
+          <a:chExt cx="0" cy="0"/>
+        </a:xfrm>
+      </p:grpSpPr>
+      <p:sp>
+        <p:nvSpPr>
+          <p:cNvPr id="185" name="Google Shape;185;p22"/>
+          <p:cNvSpPr txBox="1">
+            <a:spLocks noGrp="1"/>
+          </p:cNvSpPr>
+          <p:nvPr>
+            <p:ph type="title"/>
+          </p:nvPr>
+        </p:nvSpPr>
+        <p:spPr>
+          <a:xfrm>
+            <a:off x="413146" y="411956"/>
+            <a:ext cx="8318700" cy="999000"/>
+          </a:xfrm>
+          <a:prstGeom prst="rect">
+            <a:avLst/>
+          </a:prstGeom>
+        </p:spPr>
+        <p:txBody>
+          <a:bodyPr spcFirstLastPara="1" wrap="square" lIns="0" tIns="0" rIns="0" bIns="0" anchor="t" anchorCtr="0">
+            <a:normAutofit/>
+          </a:bodyPr>
+          <a:lstStyle/>
+          <a:p>
+            <a:pPr marL="0" lvl="0" indent="0" algn="l" rtl="0">
+              <a:spcBef>
+                <a:spcPts val="0"/>
+              </a:spcBef>
+              <a:spcAft>
+                <a:spcPts val="0"/>
+              </a:spcAft>
+              <a:buNone/>
+            </a:pPr>
+            <a:r>
+              <a:rPr lang="ru">
+                <a:solidFill>
+                  <a:schemeClr val="dk1"/>
+                </a:solidFill>
+              </a:rPr>
+              <a:t>Что такое энтропия?</a:t>
+            </a:r>
+            <a:endParaRPr>
+              <a:solidFill>
+                <a:schemeClr val="dk1"/>
+              </a:solidFill>
+            </a:endParaRPr>
+          </a:p>
+        </p:txBody>
+      </p:sp>
+      <p:sp>
+        <p:nvSpPr>
+          <p:cNvPr id="186" name="Google Shape;186;p22"/>
+          <p:cNvSpPr txBox="1">
+            <a:spLocks noGrp="1"/>
+          </p:cNvSpPr>
+          <p:nvPr>
+            <p:ph type="body" idx="1"/>
+          </p:nvPr>
+        </p:nvSpPr>
+        <p:spPr>
+          <a:xfrm>
+            <a:off x="413147" y="1584899"/>
+            <a:ext cx="8317800" cy="2984700"/>
+          </a:xfrm>
+          <a:prstGeom prst="rect">
+            <a:avLst/>
+          </a:prstGeom>
+        </p:spPr>
+        <p:txBody>
+          <a:bodyPr spcFirstLastPara="1" wrap="square" lIns="0" tIns="0" rIns="0" bIns="0" anchor="t" anchorCtr="0">
+            <a:normAutofit/>
+          </a:bodyPr>
+          <a:lstStyle/>
+          <a:p>
+            <a:pPr marL="0" lvl="0" indent="0" algn="l" rtl="0">
+              <a:lnSpc>
+                <a:spcPct val="115000"/>
+              </a:lnSpc>
+              <a:spcBef>
+                <a:spcPts val="400"/>
+              </a:spcBef>
+              <a:spcAft>
+                <a:spcPts val="0"/>
+              </a:spcAft>
+              <a:buClr>
+                <a:schemeClr val="dk1"/>
+              </a:buClr>
+              <a:buSzPts val="1100"/>
+              <a:buFont typeface="Arial"/>
+              <a:buNone/>
+            </a:pPr>
+            <a:r>
+              <a:rPr lang="ru" sz="1800">
+                <a:solidFill>
+                  <a:schemeClr val="dk1"/>
+                </a:solidFill>
+                <a:latin typeface="Arial"/>
+                <a:ea typeface="Arial"/>
+                <a:cs typeface="Arial"/>
+                <a:sym typeface="Arial"/>
+              </a:rPr>
+              <a:t>Информационная энтропия – это мера неопределённости или непредсказуемости информации, неопределённость появления какого- либо символа алфавита.</a:t>
+            </a:r>
+            <a:endParaRPr sz="1800">
+              <a:solidFill>
+                <a:schemeClr val="dk1"/>
+              </a:solidFill>
+              <a:latin typeface="Arial"/>
+              <a:ea typeface="Arial"/>
+              <a:cs typeface="Arial"/>
+              <a:sym typeface="Arial"/>
+            </a:endParaRPr>
+          </a:p>
+          <a:p>
+            <a:pPr marL="0" lvl="0" indent="0" algn="l" rtl="0">
+              <a:lnSpc>
+                <a:spcPct val="115000"/>
+              </a:lnSpc>
+              <a:spcBef>
+                <a:spcPts val="400"/>
+              </a:spcBef>
+              <a:spcAft>
+                <a:spcPts val="0"/>
+              </a:spcAft>
+              <a:buClr>
+                <a:schemeClr val="dk1"/>
+              </a:buClr>
+              <a:buSzPts val="1100"/>
+              <a:buFont typeface="Arial"/>
+              <a:buNone/>
+            </a:pPr>
+            <a:r>
+              <a:rPr lang="ru" sz="1800">
+                <a:solidFill>
+                  <a:schemeClr val="dk1"/>
+                </a:solidFill>
+                <a:latin typeface="Arial"/>
+                <a:ea typeface="Arial"/>
+                <a:cs typeface="Arial"/>
+                <a:sym typeface="Arial"/>
+              </a:rPr>
+              <a:t>Иными словами, сколько вариаций ключа может быть. Чем больше бит ключ занимает, тем больше его вариаций может быть -&gt; тем больше энтропия ключа.</a:t>
+            </a:r>
+            <a:endParaRPr sz="1800">
+              <a:solidFill>
+                <a:schemeClr val="dk1"/>
+              </a:solidFill>
+              <a:latin typeface="Arial"/>
+              <a:ea typeface="Arial"/>
+              <a:cs typeface="Arial"/>
+              <a:sym typeface="Arial"/>
+            </a:endParaRPr>
+          </a:p>
+          <a:p>
+            <a:pPr marL="0" lvl="0" indent="0" algn="l" rtl="0">
+              <a:lnSpc>
+                <a:spcPct val="115000"/>
+              </a:lnSpc>
+              <a:spcBef>
+                <a:spcPts val="400"/>
+              </a:spcBef>
+              <a:spcAft>
+                <a:spcPts val="0"/>
+              </a:spcAft>
+              <a:buClr>
+                <a:schemeClr val="dk1"/>
+              </a:buClr>
+              <a:buSzPts val="1100"/>
+              <a:buFont typeface="Arial"/>
+              <a:buNone/>
+            </a:pPr>
+            <a:r>
+              <a:rPr lang="ru" sz="1800">
+                <a:solidFill>
+                  <a:schemeClr val="dk1"/>
+                </a:solidFill>
+                <a:latin typeface="Arial"/>
+                <a:ea typeface="Arial"/>
+                <a:cs typeface="Arial"/>
+                <a:sym typeface="Arial"/>
+              </a:rPr>
+              <a:t>В нашем случае энтропия – количество байт в ключе.</a:t>
+            </a:r>
+            <a:endParaRPr sz="1800">
+              <a:solidFill>
+                <a:schemeClr val="dk1"/>
+              </a:solidFill>
+              <a:latin typeface="Arial"/>
+              <a:ea typeface="Arial"/>
+              <a:cs typeface="Arial"/>
+              <a:sym typeface="Arial"/>
+            </a:endParaRPr>
+          </a:p>
+          <a:p>
+            <a:pPr marL="0" lvl="0" indent="0" algn="l" rtl="0">
+              <a:spcBef>
+                <a:spcPts val="800"/>
+              </a:spcBef>
+              <a:spcAft>
+                <a:spcPts val="600"/>
+              </a:spcAft>
+              <a:buNone/>
+            </a:pPr>
+            <a:endParaRPr>
+              <a:latin typeface="Arial"/>
+              <a:ea typeface="Arial"/>
+              <a:cs typeface="Arial"/>
+              <a:sym typeface="Arial"/>
+            </a:endParaRPr>
+          </a:p>
+        </p:txBody>
+      </p:sp>
+      <p:sp>
+        <p:nvSpPr>
+          <p:cNvPr id="6" name="Номер слайда 5">
+            <a:extLst>
+              <a:ext uri="{FF2B5EF4-FFF2-40B4-BE49-F238E27FC236}">
+                <a16:creationId xmlns:a16="http://schemas.microsoft.com/office/drawing/2014/main" id="{41A7711B-3FB1-9236-94BF-1ECF8267A9E4}"/>
               </a:ext>
             </a:extLst>
           </p:cNvPr>
